--- a/Intro/Dirty-Data-Intro.pptx
+++ b/Intro/Dirty-Data-Intro.pptx
@@ -231,7 +231,7 @@
           <a:p>
             <a:fld id="{412A36AD-C140-47B5-A0AA-2808AF1C1C9D}" type="datetimeFigureOut">
               <a:rPr lang="en-AU" smtClean="0"/>
-              <a:t>13/10/2022</a:t>
+              <a:t>14/10/2022</a:t>
             </a:fld>
             <a:endParaRPr lang="en-AU"/>
           </a:p>
@@ -396,7 +396,7 @@
           <a:p>
             <a:fld id="{2763829E-EB69-4A98-9D54-8D6822520B27}" type="datetimeFigureOut">
               <a:rPr lang="en-AU" smtClean="0"/>
-              <a:t>13/10/2022</a:t>
+              <a:t>14/10/2022</a:t>
             </a:fld>
             <a:endParaRPr lang="en-AU"/>
           </a:p>
@@ -10730,11 +10730,11 @@
   <p:clrMapOvr>
     <a:masterClrMapping/>
   </p:clrMapOvr>
-  <mc:AlternateContent xmlns:mc="http://schemas.openxmlformats.org/markup-compatibility/2006">
-    <mc:Choice xmlns:p14="http://schemas.microsoft.com/office/powerpoint/2010/main" Requires="p14">
+  <mc:AlternateContent xmlns:mc="http://schemas.openxmlformats.org/markup-compatibility/2006" xmlns:p14="http://schemas.microsoft.com/office/powerpoint/2010/main">
+    <mc:Choice Requires="p14">
       <p:transition p14:dur="0"/>
     </mc:Choice>
-    <mc:Fallback>
+    <mc:Fallback xmlns="">
       <p:transition/>
     </mc:Fallback>
   </mc:AlternateContent>
@@ -11122,13 +11122,13 @@
   <p:clrMapOvr>
     <a:masterClrMapping/>
   </p:clrMapOvr>
-  <mc:AlternateContent xmlns:mc="http://schemas.openxmlformats.org/markup-compatibility/2006">
-    <mc:Choice xmlns:p14="http://schemas.microsoft.com/office/powerpoint/2010/main" Requires="p14">
+  <mc:AlternateContent xmlns:mc="http://schemas.openxmlformats.org/markup-compatibility/2006" xmlns:p14="http://schemas.microsoft.com/office/powerpoint/2010/main">
+    <mc:Choice Requires="p14">
       <p:transition spd="med" p14:dur="700">
         <p:fade/>
       </p:transition>
     </mc:Choice>
-    <mc:Fallback>
+    <mc:Fallback xmlns="">
       <p:transition spd="med">
         <p:fade/>
       </p:transition>
@@ -12066,13 +12066,13 @@
   <p:clrMapOvr>
     <a:masterClrMapping/>
   </p:clrMapOvr>
-  <mc:AlternateContent xmlns:mc="http://schemas.openxmlformats.org/markup-compatibility/2006">
-    <mc:Choice xmlns:p14="http://schemas.microsoft.com/office/powerpoint/2010/main" Requires="p14">
+  <mc:AlternateContent xmlns:mc="http://schemas.openxmlformats.org/markup-compatibility/2006" xmlns:p14="http://schemas.microsoft.com/office/powerpoint/2010/main">
+    <mc:Choice Requires="p14">
       <p:transition spd="med" p14:dur="700">
         <p:fade/>
       </p:transition>
     </mc:Choice>
-    <mc:Fallback>
+    <mc:Fallback xmlns="">
       <p:transition spd="med">
         <p:fade/>
       </p:transition>
@@ -13606,7 +13606,7 @@
           <a:p>
             <a:r>
               <a:rPr lang="en-US" dirty="0"/>
-              <a:t>What you will learn in this workshop</a:t>
+              <a:t>What we will work with in this workshop</a:t>
             </a:r>
           </a:p>
         </p:txBody>
@@ -13777,7 +13777,7 @@
     <a:masterClrMapping/>
   </p:clrMapOvr>
   <p:transition spd="slow">
-    <p:push/>
+    <p:push dir="u"/>
   </p:transition>
   <p:timing>
     <p:tnLst>

--- a/Intro/Dirty-Data-Intro.pptx
+++ b/Intro/Dirty-Data-Intro.pptx
@@ -10685,7 +10685,7 @@
           <a:p>
             <a:r>
               <a:rPr lang="en-US" dirty="0"/>
-              <a:t>November 11, 2022</a:t>
+              <a:t>November 8, 2022</a:t>
             </a:r>
           </a:p>
         </p:txBody>
